--- a/output/notWellKnown/Reign-in-us.pptx
+++ b/output/notWellKnown/Reign-in-us.pptx
@@ -9,7 +9,6 @@
     <p:sldId r:id="rId9" id="257"/>
     <p:sldId r:id="rId10" id="258"/>
     <p:sldId r:id="rId11" id="259"/>
-    <p:sldId r:id="rId12" id="260"/>
   </p:sldIdLst>
   <p:sldSz cx="9144000" cy="6858000" type="screen4x3"/>
   <p:notesSz cx="6858000" cy="9144000"/>
@@ -740,85 +739,7 @@
           <a:lstStyle/>
           <a:p>
             <a:r>
-              <a:t>(REPEAT CHORUS)</a:t>
-            </a:r>
-            <a:br/>
-            <a:r>
-              <a:t>Writers:  Ben Glover, Jon Neufeld, Tim Neufeld</a:t>
-            </a:r>
-            <a:br/>
-            <a:r>
-              <a:t>CCLI: </a:t>
-            </a:r>
-          </a:p>
-        </p:txBody>
-      </p:sp>
-      <p:sp>
-        <p:nvSpPr>
-          <p:cNvPr id="4" name="Slide Number Placeholder 3"/>
-          <p:cNvSpPr>
-            <a:spLocks noGrp="1"/>
-          </p:cNvSpPr>
-          <p:nvPr>
-            <p:ph type="sldNum" idx="5" sz="quarter"/>
-          </p:nvPr>
-        </p:nvSpPr>
-        <p:spPr/>
-      </p:sp>
-    </p:spTree>
-  </p:cSld>
-  <p:clrMapOvr>
-    <a:masterClrMapping/>
-  </p:clrMapOvr>
-</p:notes>
-</file>
-
-<file path=ppt/notesSlides/notesSlide5.xml><?xml version="1.0" encoding="utf-8"?>
-<p:notes xmlns:a="http://schemas.openxmlformats.org/drawingml/2006/main" xmlns:p="http://schemas.openxmlformats.org/presentationml/2006/main" xmlns:r="http://schemas.openxmlformats.org/officeDocument/2006/relationships">
-  <p:cSld>
-    <p:spTree>
-      <p:nvGrpSpPr>
-        <p:cNvPr id="1" name=""/>
-        <p:cNvGrpSpPr/>
-        <p:nvPr/>
-      </p:nvGrpSpPr>
-      <p:grpSpPr>
-        <a:xfrm>
-          <a:off x="0" y="0"/>
-          <a:ext cx="0" cy="0"/>
-          <a:chOff x="0" y="0"/>
-          <a:chExt cx="0" cy="0"/>
-        </a:xfrm>
-      </p:grpSpPr>
-      <p:sp>
-        <p:nvSpPr>
-          <p:cNvPr id="2" name="Slide Image Placeholder 1"/>
-          <p:cNvSpPr>
-            <a:spLocks noGrp="1"/>
-          </p:cNvSpPr>
-          <p:nvPr>
-            <p:ph type="sldImg" idx="2"/>
-          </p:nvPr>
-        </p:nvSpPr>
-        <p:spPr/>
-      </p:sp>
-      <p:sp>
-        <p:nvSpPr>
-          <p:cNvPr id="3" name="Notes Placeholder 2"/>
-          <p:cNvSpPr>
-            <a:spLocks noGrp="1"/>
-          </p:cNvSpPr>
-          <p:nvPr>
-            <p:ph type="body" idx="3" sz="quarter"/>
-          </p:nvPr>
-        </p:nvSpPr>
-        <p:spPr/>
-        <p:txBody>
-          <a:bodyPr/>
-          <a:lstStyle/>
-          <a:p>
-            <a:r>
-              <a:t>(REPEAT CHORUS TWICE)</a:t>
+              <a:t>Bridge 1</a:t>
             </a:r>
             <a:br/>
             <a:r>
@@ -3859,7 +3780,7 @@
               <a:defRPr sz="2500"/>
             </a:pPr>
             <a:r>
-              <a:t>You thought of us before the world began  </a:t>
+              <a:t>You thought of us before the world began</a:t>
             </a:r>
             <a:br/>
             <a:r>
@@ -3867,27 +3788,27 @@
             </a:r>
             <a:br/>
             <a:r>
-              <a:t>You knew our names before we came to be  </a:t>
+              <a:t>You knew our names before we came to be</a:t>
             </a:r>
             <a:br/>
             <a:r>
-              <a:t>You saw the very day we'd fall away from you  </a:t>
+              <a:t>You saw the very day we'd fall away from you</a:t>
             </a:r>
             <a:br/>
             <a:r>
-              <a:t>And how desperately we need to be </a:t>
+              <a:t>And how desperately we need to be</a:t>
             </a:r>
             <a:br/>
             <a:r>
-              <a:t>redeemed  </a:t>
+              <a:t>redeemed</a:t>
             </a:r>
             <a:br/>
             <a:r>
-              <a:t>Lord Jesus, come lead us  </a:t>
+              <a:t>Lord Jesus, come lead us</a:t>
             </a:r>
             <a:br/>
             <a:r>
-              <a:t>We're desperate for your touch  </a:t>
+              <a:t>We're desperate for your touch</a:t>
             </a:r>
             <a:br/>
           </a:p>
@@ -4006,7 +3927,7 @@
             </a:r>
             <a:br/>
             <a:r>
-              <a:t>That you would reign in us  </a:t>
+              <a:t>That you would reign in us</a:t>
             </a:r>
             <a:br/>
           </a:p>
@@ -4097,23 +4018,23 @@
               <a:defRPr sz="2500"/>
             </a:pPr>
             <a:r>
-              <a:t>Spirit of the living God fall fresh again </a:t>
+              <a:t>Spirit of the living God fall fresh again</a:t>
             </a:r>
             <a:br/>
             <a:r>
-              <a:t>Come search our hearts and purify our lives  </a:t>
+              <a:t>Come search our hearts and purify our lives</a:t>
             </a:r>
             <a:br/>
             <a:r>
-              <a:t>G/B      Am7                                                        </a:t>
+              <a:t>G/B      Am7</a:t>
             </a:r>
             <a:br/>
             <a:r>
-              <a:t>We need your perfect we need your </a:t>
+              <a:t>We need your perfect we need your</a:t>
             </a:r>
             <a:br/>
             <a:r>
-              <a:t>Fmaj7   </a:t>
+              <a:t>Fmaj7</a:t>
             </a:r>
             <a:br/>
             <a:r>
@@ -4125,7 +4046,7 @@
             </a:r>
             <a:br/>
             <a:r>
-              <a:t>Lord, Jesus, come lead us  </a:t>
+              <a:t>Lord, Jesus, come lead us</a:t>
             </a:r>
             <a:br/>
             <a:r>
@@ -4216,28 +4137,23 @@
           <a:lstStyle/>
           <a:p/>
           <a:p>
-            <a:br/>
             <a:pPr>
               <a:defRPr sz="2500"/>
             </a:pPr>
             <a:r>
-              <a:t>Bridge 1</a:t>
+              <a:t>We cry out for Your life to refine us</a:t>
             </a:r>
             <a:br/>
             <a:r>
-              <a:t>We cry out for Your life to refine us  </a:t>
+              <a:t>Cry out, for Your love to define us</a:t>
             </a:r>
             <a:br/>
             <a:r>
-              <a:t>Cry out, for Your love to define us  </a:t>
+              <a:t>Cry out, for Your mercy to keep us</a:t>
             </a:r>
             <a:br/>
             <a:r>
-              <a:t>Cry out, for Your mercy to keep us  </a:t>
-            </a:r>
-            <a:br/>
-            <a:r>
-              <a:t>Blameless until You return.  </a:t>
+              <a:t>Blameless until You return.</a:t>
             </a:r>
             <a:br/>
           </a:p>
@@ -4270,99 +4186,7 @@
               <a:defRPr sz="1200"/>
             </a:pPr>
             <a:r>
-              <a:t>(REPEAT CHORUS)</a:t>
-            </a:r>
-            <a:br/>
-            <a:r>
-              <a:t>Writers:  Ben Glover, Jon Neufeld, Tim Neufeld</a:t>
-            </a:r>
-            <a:br/>
-            <a:r>
-              <a:t>CCLI: </a:t>
-            </a:r>
-          </a:p>
-        </p:txBody>
-      </p:sp>
-    </p:spTree>
-  </p:cSld>
-  <p:clrMapOvr>
-    <a:masterClrMapping/>
-  </p:clrMapOvr>
-</p:sld>
-</file>
-
-<file path=ppt/slides/slide5.xml><?xml version="1.0" encoding="utf-8"?>
-<p:sld xmlns:a="http://schemas.openxmlformats.org/drawingml/2006/main" xmlns:p="http://schemas.openxmlformats.org/presentationml/2006/main" xmlns:r="http://schemas.openxmlformats.org/officeDocument/2006/relationships">
-  <p:cSld>
-    <p:spTree>
-      <p:nvGrpSpPr>
-        <p:cNvPr id="1" name=""/>
-        <p:cNvGrpSpPr/>
-        <p:nvPr/>
-      </p:nvGrpSpPr>
-      <p:grpSpPr/>
-      <p:sp>
-        <p:nvSpPr>
-          <p:cNvPr id="2" name="TextBox 1"/>
-          <p:cNvSpPr txBox="1"/>
-          <p:nvPr/>
-        </p:nvSpPr>
-        <p:spPr>
-          <a:xfrm>
-            <a:off x="914400" y="914400"/>
-            <a:ext cx="7315200" cy="914400"/>
-          </a:xfrm>
-          <a:prstGeom prst="rect">
-            <a:avLst/>
-          </a:prstGeom>
-          <a:noFill/>
-        </p:spPr>
-        <p:txBody>
-          <a:bodyPr wrap="none">
-            <a:spAutoFit/>
-          </a:bodyPr>
-          <a:lstStyle/>
-          <a:p/>
-          <a:p>
-            <a:br/>
-            <a:pPr>
-              <a:defRPr sz="2500"/>
-            </a:pPr>
-            <a:r>
-              <a:t>Copyright 2008 Birdwing Music (admin by EMI CMG Publishing) / Fieldstar Music (admin by EMI CMG Publishing) / Screaming norman Music / WB Music Corp. (ASCAP)</a:t>
-            </a:r>
-            <a:br/>
-          </a:p>
-        </p:txBody>
-      </p:sp>
-      <p:sp>
-        <p:nvSpPr>
-          <p:cNvPr id="3" name="TextBox 2"/>
-          <p:cNvSpPr txBox="1"/>
-          <p:nvPr/>
-        </p:nvSpPr>
-        <p:spPr>
-          <a:xfrm>
-            <a:off x="4572000" y="5943600"/>
-            <a:ext cx="914400" cy="914400"/>
-          </a:xfrm>
-          <a:prstGeom prst="rect">
-            <a:avLst/>
-          </a:prstGeom>
-          <a:noFill/>
-        </p:spPr>
-        <p:txBody>
-          <a:bodyPr wrap="none">
-            <a:spAutoFit/>
-          </a:bodyPr>
-          <a:lstStyle/>
-          <a:p/>
-          <a:p>
-            <a:pPr>
-              <a:defRPr sz="1200"/>
-            </a:pPr>
-            <a:r>
-              <a:t>(REPEAT CHORUS TWICE)</a:t>
+              <a:t>Bridge 1</a:t>
             </a:r>
             <a:br/>
             <a:r>
